--- a/docs/keyWords_presentation.pptx
+++ b/docs/keyWords_presentation.pptx
@@ -10462,6 +10462,18 @@
                 <a:buNone/>
               </a:pPr>
               <a:r>
+                <a:rPr lang="sv-SE" sz="4800">
+                  <a:solidFill>
+                    <a:schemeClr val="lt1"/>
+                  </a:solidFill>
+                  <a:latin typeface="Calibri"/>
+                  <a:ea typeface="Calibri"/>
+                  <a:cs typeface="Calibri"/>
+                  <a:sym typeface="Calibri"/>
+                </a:rPr>
+                <a:t>Creative studio that shows it’s design and web development projects</a:t>
+              </a:r>
+              <a:r>
                 <a:rPr lang="sv-SE" sz="6500">
                   <a:solidFill>
                     <a:schemeClr val="lt1"/>
@@ -10471,9 +10483,80 @@
                   <a:cs typeface="Calibri"/>
                   <a:sym typeface="Calibri"/>
                 </a:rPr>
-                <a:t>Creative studio that shows it’s design and web development projects </a:t>
+                <a:t> </a:t>
               </a:r>
-              <a:endParaRPr b="0" i="0" sz="6500" u="none" cap="none" strike="noStrike">
+              <a:endParaRPr sz="6500">
+                <a:solidFill>
+                  <a:schemeClr val="lt1"/>
+                </a:solidFill>
+                <a:latin typeface="Calibri"/>
+                <a:ea typeface="Calibri"/>
+                <a:cs typeface="Calibri"/>
+                <a:sym typeface="Calibri"/>
+              </a:endParaRPr>
+            </a:p>
+            <a:p>
+              <a:pPr indent="0" lvl="0" marL="0" marR="0" rtl="0" algn="ctr">
+                <a:lnSpc>
+                  <a:spcPct val="90000"/>
+                </a:lnSpc>
+                <a:spcBef>
+                  <a:spcPts val="0"/>
+                </a:spcBef>
+                <a:spcAft>
+                  <a:spcPts val="0"/>
+                </a:spcAft>
+                <a:buClr>
+                  <a:schemeClr val="lt1"/>
+                </a:buClr>
+                <a:buSzPts val="6500"/>
+                <a:buFont typeface="Calibri"/>
+                <a:buNone/>
+              </a:pPr>
+              <a:r>
+                <a:t/>
+              </a:r>
+              <a:endParaRPr sz="3600">
+                <a:solidFill>
+                  <a:schemeClr val="lt1"/>
+                </a:solidFill>
+                <a:latin typeface="Calibri"/>
+                <a:ea typeface="Calibri"/>
+                <a:cs typeface="Calibri"/>
+                <a:sym typeface="Calibri"/>
+              </a:endParaRPr>
+            </a:p>
+            <a:p>
+              <a:pPr indent="0" lvl="0" marL="0" marR="0" rtl="0" algn="ctr">
+                <a:lnSpc>
+                  <a:spcPct val="90000"/>
+                </a:lnSpc>
+                <a:spcBef>
+                  <a:spcPts val="0"/>
+                </a:spcBef>
+                <a:spcAft>
+                  <a:spcPts val="0"/>
+                </a:spcAft>
+                <a:buClr>
+                  <a:schemeClr val="lt1"/>
+                </a:buClr>
+                <a:buSzPts val="6500"/>
+                <a:buFont typeface="Calibri"/>
+                <a:buNone/>
+              </a:pPr>
+              <a:r>
+                <a:rPr lang="sv-SE" sz="3600">
+                  <a:solidFill>
+                    <a:schemeClr val="lt1"/>
+                  </a:solidFill>
+                  <a:latin typeface="Calibri"/>
+                  <a:ea typeface="Calibri"/>
+                  <a:cs typeface="Calibri"/>
+                  <a:sym typeface="Calibri"/>
+                </a:rPr>
+                <a:t>Målgrupp: small business that need to make web site or redesign the existing one;</a:t>
+              </a:r>
+              <a:endParaRPr sz="3600">
                 <a:solidFill>
                   <a:schemeClr val="lt1"/>
                 </a:solidFill>
